--- a/Thesis/Classification Paper/Poster #86.pptx
+++ b/Thesis/Classification Paper/Poster #86.pptx
@@ -8,7 +8,7 @@
     <p:sldId id="256" r:id="rId2"/>
   </p:sldIdLst>
   <p:sldSz cx="43891200" cy="32918400"/>
-  <p:notesSz cx="7004050" cy="9290050"/>
+  <p:notesSz cx="9928225" cy="14357350"/>
   <p:defaultTextStyle>
     <a:defPPr>
       <a:defRPr lang="en-US"/>
@@ -254,7 +254,7 @@
           <a:p>
             <a:fld id="{985D6BDF-9D0E-4E2B-85B8-D8F4790360C9}" type="datetimeFigureOut">
               <a:rPr lang="en-US" smtClean="0"/>
-              <a:t>8/9/2014</a:t>
+              <a:t>8/10/2014</a:t>
             </a:fld>
             <a:endParaRPr lang="en-US" dirty="0"/>
           </a:p>
@@ -424,7 +424,7 @@
           <a:p>
             <a:fld id="{985D6BDF-9D0E-4E2B-85B8-D8F4790360C9}" type="datetimeFigureOut">
               <a:rPr lang="en-US" smtClean="0"/>
-              <a:t>8/9/2014</a:t>
+              <a:t>8/10/2014</a:t>
             </a:fld>
             <a:endParaRPr lang="en-US" dirty="0"/>
           </a:p>
@@ -604,7 +604,7 @@
           <a:p>
             <a:fld id="{985D6BDF-9D0E-4E2B-85B8-D8F4790360C9}" type="datetimeFigureOut">
               <a:rPr lang="en-US" smtClean="0"/>
-              <a:t>8/9/2014</a:t>
+              <a:t>8/10/2014</a:t>
             </a:fld>
             <a:endParaRPr lang="en-US" dirty="0"/>
           </a:p>
@@ -2326,7 +2326,7 @@
           <a:p>
             <a:fld id="{985D6BDF-9D0E-4E2B-85B8-D8F4790360C9}" type="datetimeFigureOut">
               <a:rPr lang="en-US" smtClean="0"/>
-              <a:t>8/9/2014</a:t>
+              <a:t>8/10/2014</a:t>
             </a:fld>
             <a:endParaRPr lang="en-US" dirty="0"/>
           </a:p>
@@ -2572,7 +2572,7 @@
           <a:p>
             <a:fld id="{985D6BDF-9D0E-4E2B-85B8-D8F4790360C9}" type="datetimeFigureOut">
               <a:rPr lang="en-US" smtClean="0"/>
-              <a:t>8/9/2014</a:t>
+              <a:t>8/10/2014</a:t>
             </a:fld>
             <a:endParaRPr lang="en-US" dirty="0"/>
           </a:p>
@@ -2804,7 +2804,7 @@
           <a:p>
             <a:fld id="{985D6BDF-9D0E-4E2B-85B8-D8F4790360C9}" type="datetimeFigureOut">
               <a:rPr lang="en-US" smtClean="0"/>
-              <a:t>8/9/2014</a:t>
+              <a:t>8/10/2014</a:t>
             </a:fld>
             <a:endParaRPr lang="en-US" dirty="0"/>
           </a:p>
@@ -3171,7 +3171,7 @@
           <a:p>
             <a:fld id="{985D6BDF-9D0E-4E2B-85B8-D8F4790360C9}" type="datetimeFigureOut">
               <a:rPr lang="en-US" smtClean="0"/>
-              <a:t>8/9/2014</a:t>
+              <a:t>8/10/2014</a:t>
             </a:fld>
             <a:endParaRPr lang="en-US" dirty="0"/>
           </a:p>
@@ -3289,7 +3289,7 @@
           <a:p>
             <a:fld id="{985D6BDF-9D0E-4E2B-85B8-D8F4790360C9}" type="datetimeFigureOut">
               <a:rPr lang="en-US" smtClean="0"/>
-              <a:t>8/9/2014</a:t>
+              <a:t>8/10/2014</a:t>
             </a:fld>
             <a:endParaRPr lang="en-US" dirty="0"/>
           </a:p>
@@ -3384,7 +3384,7 @@
           <a:p>
             <a:fld id="{985D6BDF-9D0E-4E2B-85B8-D8F4790360C9}" type="datetimeFigureOut">
               <a:rPr lang="en-US" smtClean="0"/>
-              <a:t>8/9/2014</a:t>
+              <a:t>8/10/2014</a:t>
             </a:fld>
             <a:endParaRPr lang="en-US" dirty="0"/>
           </a:p>
@@ -3661,7 +3661,7 @@
           <a:p>
             <a:fld id="{985D6BDF-9D0E-4E2B-85B8-D8F4790360C9}" type="datetimeFigureOut">
               <a:rPr lang="en-US" smtClean="0"/>
-              <a:t>8/9/2014</a:t>
+              <a:t>8/10/2014</a:t>
             </a:fld>
             <a:endParaRPr lang="en-US" dirty="0"/>
           </a:p>
@@ -3914,7 +3914,7 @@
           <a:p>
             <a:fld id="{985D6BDF-9D0E-4E2B-85B8-D8F4790360C9}" type="datetimeFigureOut">
               <a:rPr lang="en-US" smtClean="0"/>
-              <a:t>8/9/2014</a:t>
+              <a:t>8/10/2014</a:t>
             </a:fld>
             <a:endParaRPr lang="en-US" dirty="0"/>
           </a:p>
@@ -4127,7 +4127,7 @@
           <a:p>
             <a:fld id="{985D6BDF-9D0E-4E2B-85B8-D8F4790360C9}" type="datetimeFigureOut">
               <a:rPr lang="en-US" smtClean="0"/>
-              <a:t>8/9/2014</a:t>
+              <a:t>8/10/2014</a:t>
             </a:fld>
             <a:endParaRPr lang="en-US" dirty="0"/>
           </a:p>
@@ -4541,7 +4541,7 @@
         </p:nvSpPr>
         <p:spPr>
           <a:xfrm>
-            <a:off x="11658600" y="4800600"/>
+            <a:off x="11658600" y="4343400"/>
             <a:ext cx="20520000" cy="28004949"/>
           </a:xfrm>
           <a:prstGeom prst="rect">
@@ -4579,7 +4579,7 @@
         </p:nvSpPr>
         <p:spPr>
           <a:xfrm>
-            <a:off x="32449340" y="4851601"/>
+            <a:off x="33180600" y="4394401"/>
             <a:ext cx="9720000" cy="27953947"/>
           </a:xfrm>
           <a:prstGeom prst="rect">
@@ -4836,8 +4836,8 @@
         </p:nvSpPr>
         <p:spPr bwMode="auto">
           <a:xfrm>
-            <a:off x="5486401" y="2400300"/>
-            <a:ext cx="32918400" cy="1714500"/>
+            <a:off x="5486401" y="2199726"/>
+            <a:ext cx="32918400" cy="1991274"/>
           </a:xfrm>
           <a:prstGeom prst="rect">
             <a:avLst/>
@@ -5000,10 +5000,22 @@
                 </a:solidFill>
                 <a:latin typeface="+mn-lt"/>
               </a:rPr>
-              <a:t>Kour </a:t>
-            </a:r>
-            <a:r>
-              <a:rPr lang="en-US" sz="4000" dirty="0">
+              <a:t>Kour</a:t>
+            </a:r>
+            <a:r>
+              <a:rPr lang="en-US" sz="4000" dirty="0" smtClean="0">
+                <a:solidFill>
+                  <a:srgbClr val="A5A5A5">
+                    <a:lumMod val="20000"/>
+                    <a:lumOff val="80000"/>
+                  </a:srgbClr>
+                </a:solidFill>
+                <a:latin typeface="Calibri" panose="020F0502020204030204"/>
+              </a:rPr>
+              <a:t>†</a:t>
+            </a:r>
+            <a:r>
+              <a:rPr lang="en-US" sz="4000" dirty="0" smtClean="0">
                 <a:solidFill>
                   <a:schemeClr val="accent3">
                     <a:lumMod val="20000"/>
@@ -5012,10 +5024,10 @@
                 </a:solidFill>
                 <a:latin typeface="+mn-lt"/>
               </a:rPr>
-              <a:t>and Raid </a:t>
-            </a:r>
-            <a:r>
-              <a:rPr lang="en-US" sz="4000" dirty="0" err="1">
+              <a:t> </a:t>
+            </a:r>
+            <a:r>
+              <a:rPr lang="en-US" sz="4000" dirty="0">
                 <a:solidFill>
                   <a:schemeClr val="accent3">
                     <a:lumMod val="20000"/>
@@ -5024,10 +5036,10 @@
                 </a:solidFill>
                 <a:latin typeface="+mn-lt"/>
               </a:rPr>
-              <a:t>Saabni</a:t>
-            </a:r>
-            <a:r>
-              <a:rPr lang="en-US" sz="4000" dirty="0">
+              <a:t>and Raid </a:t>
+            </a:r>
+            <a:r>
+              <a:rPr lang="en-US" sz="4000" dirty="0" err="1">
                 <a:solidFill>
                   <a:schemeClr val="accent3">
                     <a:lumMod val="20000"/>
@@ -5036,11 +5048,8 @@
                 </a:solidFill>
                 <a:latin typeface="+mn-lt"/>
               </a:rPr>
-              <a:t>‡</a:t>
-            </a:r>
-          </a:p>
-          <a:p>
-            <a:pPr algn="ctr"/>
+              <a:t>Saabni</a:t>
+            </a:r>
             <a:r>
               <a:rPr lang="en-US" sz="4000" dirty="0">
                 <a:solidFill>
@@ -5051,8 +5060,56 @@
                 </a:solidFill>
                 <a:latin typeface="+mn-lt"/>
               </a:rPr>
-              <a:t>† Faculty of Engineering, Tel-Aviv University</a:t>
-            </a:r>
+              <a:t>‡</a:t>
+            </a:r>
+          </a:p>
+          <a:p>
+            <a:pPr algn="ctr"/>
+            <a:r>
+              <a:rPr lang="en-US" sz="4000" dirty="0">
+                <a:solidFill>
+                  <a:schemeClr val="accent3">
+                    <a:lumMod val="20000"/>
+                    <a:lumOff val="80000"/>
+                  </a:schemeClr>
+                </a:solidFill>
+                <a:latin typeface="+mn-lt"/>
+              </a:rPr>
+              <a:t>† Faculty of Engineering, Tel-Aviv </a:t>
+            </a:r>
+            <a:r>
+              <a:rPr lang="en-US" sz="4000" dirty="0" smtClean="0">
+                <a:solidFill>
+                  <a:schemeClr val="accent3">
+                    <a:lumMod val="20000"/>
+                    <a:lumOff val="80000"/>
+                  </a:schemeClr>
+                </a:solidFill>
+                <a:latin typeface="+mn-lt"/>
+              </a:rPr>
+              <a:t>University</a:t>
+            </a:r>
+            <a:r>
+              <a:rPr lang="en-US" sz="4000" smtClean="0">
+                <a:solidFill>
+                  <a:schemeClr val="accent3">
+                    <a:lumMod val="20000"/>
+                    <a:lumOff val="80000"/>
+                  </a:schemeClr>
+                </a:solidFill>
+                <a:latin typeface="+mn-lt"/>
+              </a:rPr>
+              <a:t>, Israel</a:t>
+            </a:r>
+            <a:endParaRPr lang="en-US" sz="4000" dirty="0">
+              <a:solidFill>
+                <a:schemeClr val="accent3">
+                  <a:lumMod val="20000"/>
+                  <a:lumOff val="80000"/>
+                </a:schemeClr>
+              </a:solidFill>
+              <a:latin typeface="+mn-lt"/>
+            </a:endParaRPr>
           </a:p>
           <a:p>
             <a:pPr algn="ctr"/>
@@ -5114,7 +5171,7 @@
         </p:nvSpPr>
         <p:spPr bwMode="auto">
           <a:xfrm>
-            <a:off x="1463040" y="5486400"/>
+            <a:off x="990600" y="5029200"/>
             <a:ext cx="9720000" cy="8580764"/>
           </a:xfrm>
           <a:prstGeom prst="rect">
@@ -5354,7 +5411,7 @@
         </p:nvSpPr>
         <p:spPr>
           <a:xfrm>
-            <a:off x="1463040" y="4800601"/>
+            <a:off x="990600" y="4343401"/>
             <a:ext cx="9720000" cy="685797"/>
           </a:xfrm>
           <a:prstGeom prst="rect">
@@ -5410,7 +5467,7 @@
         </p:nvSpPr>
         <p:spPr>
           <a:xfrm>
-            <a:off x="1463040" y="12725400"/>
+            <a:off x="990600" y="12268200"/>
             <a:ext cx="9720000" cy="685800"/>
           </a:xfrm>
           <a:prstGeom prst="rect">
@@ -5466,7 +5523,7 @@
         </p:nvSpPr>
         <p:spPr>
           <a:xfrm>
-            <a:off x="11658601" y="4800600"/>
+            <a:off x="11658601" y="4343400"/>
             <a:ext cx="20520000" cy="685800"/>
           </a:xfrm>
           <a:prstGeom prst="rect">
@@ -5532,7 +5589,7 @@
         </p:nvSpPr>
         <p:spPr bwMode="auto">
           <a:xfrm>
-            <a:off x="32514421" y="18923934"/>
+            <a:off x="33245681" y="18466734"/>
             <a:ext cx="9540000" cy="1680414"/>
           </a:xfrm>
           <a:prstGeom prst="rect">
@@ -5657,14 +5714,14 @@
               <a:buChar char="•"/>
             </a:pPr>
             <a:r>
-              <a:rPr lang="en-US" sz="3200" b="1" dirty="0" smtClean="0">
+              <a:rPr lang="en-US" sz="3200" dirty="0" smtClean="0">
                 <a:latin typeface="Arial" panose="020B0604020202020204" pitchFamily="34" charset="0"/>
                 <a:cs typeface="Arial" panose="020B0604020202020204" pitchFamily="34" charset="0"/>
               </a:rPr>
               <a:t>High </a:t>
             </a:r>
             <a:r>
-              <a:rPr lang="en-US" sz="3200" b="1" dirty="0">
+              <a:rPr lang="en-US" sz="3200" dirty="0">
                 <a:latin typeface="Arial" panose="020B0604020202020204" pitchFamily="34" charset="0"/>
                 <a:cs typeface="Arial" panose="020B0604020202020204" pitchFamily="34" charset="0"/>
               </a:rPr>
@@ -5680,7 +5737,7 @@
               <a:buChar char="•"/>
             </a:pPr>
             <a:r>
-              <a:rPr lang="en-US" sz="3200" b="1" dirty="0">
+              <a:rPr lang="en-US" sz="3200" dirty="0">
                 <a:latin typeface="Arial" panose="020B0604020202020204" pitchFamily="34" charset="0"/>
                 <a:cs typeface="Arial" panose="020B0604020202020204" pitchFamily="34" charset="0"/>
               </a:rPr>
@@ -5696,20 +5753,20 @@
               <a:buChar char="•"/>
             </a:pPr>
             <a:r>
-              <a:rPr lang="en-US" sz="3200" b="1" dirty="0">
+              <a:rPr lang="en-US" sz="3200" dirty="0">
                 <a:latin typeface="Arial" panose="020B0604020202020204" pitchFamily="34" charset="0"/>
                 <a:cs typeface="Arial" panose="020B0604020202020204" pitchFamily="34" charset="0"/>
               </a:rPr>
               <a:t>Fast Learning: Avoid DR and metric </a:t>
             </a:r>
             <a:r>
-              <a:rPr lang="en-US" sz="3200" b="1" dirty="0" smtClean="0">
+              <a:rPr lang="en-US" sz="3200" dirty="0" smtClean="0">
                 <a:latin typeface="Arial" panose="020B0604020202020204" pitchFamily="34" charset="0"/>
                 <a:cs typeface="Arial" panose="020B0604020202020204" pitchFamily="34" charset="0"/>
               </a:rPr>
               <a:t>indexing</a:t>
             </a:r>
-            <a:endParaRPr lang="en-US" sz="3200" b="1" dirty="0">
+            <a:endParaRPr lang="en-US" sz="3200" dirty="0">
               <a:latin typeface="Arial" panose="020B0604020202020204" pitchFamily="34" charset="0"/>
               <a:cs typeface="Arial" panose="020B0604020202020204" pitchFamily="34" charset="0"/>
             </a:endParaRPr>
@@ -5724,7 +5781,7 @@
         </p:nvSpPr>
         <p:spPr>
           <a:xfrm>
-            <a:off x="32461200" y="4800600"/>
+            <a:off x="33180600" y="4343400"/>
             <a:ext cx="9720000" cy="685800"/>
           </a:xfrm>
           <a:prstGeom prst="rect">
@@ -5790,8 +5847,8 @@
         </p:nvSpPr>
         <p:spPr bwMode="auto">
           <a:xfrm>
-            <a:off x="1463040" y="13411200"/>
-            <a:ext cx="9720000" cy="19282155"/>
+            <a:off x="990600" y="12954000"/>
+            <a:ext cx="9720000" cy="19399110"/>
           </a:xfrm>
           <a:prstGeom prst="rect">
             <a:avLst/>
@@ -6246,7 +6303,7 @@
                 <a:spcPct val="95000"/>
               </a:lnSpc>
             </a:pPr>
-            <a:endParaRPr lang="en-US" sz="3600" b="1" dirty="0" smtClean="0">
+            <a:endParaRPr lang="en-US" sz="1100" b="1" dirty="0">
               <a:latin typeface="+mn-lt"/>
             </a:endParaRPr>
           </a:p>
@@ -6256,7 +6313,37 @@
                 <a:spcPct val="95000"/>
               </a:lnSpc>
             </a:pPr>
-            <a:endParaRPr lang="en-US" sz="3600" b="1" dirty="0">
+            <a:endParaRPr lang="en-US" sz="1100" b="1" dirty="0" smtClean="0">
+              <a:latin typeface="+mn-lt"/>
+            </a:endParaRPr>
+          </a:p>
+          <a:p>
+            <a:pPr algn="just" defTabSz="4389493">
+              <a:lnSpc>
+                <a:spcPct val="95000"/>
+              </a:lnSpc>
+            </a:pPr>
+            <a:endParaRPr lang="en-US" sz="1100" b="1" dirty="0">
+              <a:latin typeface="+mn-lt"/>
+            </a:endParaRPr>
+          </a:p>
+          <a:p>
+            <a:pPr algn="just" defTabSz="4389493">
+              <a:lnSpc>
+                <a:spcPct val="95000"/>
+              </a:lnSpc>
+            </a:pPr>
+            <a:endParaRPr lang="en-US" sz="1100" b="1" dirty="0" smtClean="0">
+              <a:latin typeface="+mn-lt"/>
+            </a:endParaRPr>
+          </a:p>
+          <a:p>
+            <a:pPr algn="just" defTabSz="4389493">
+              <a:lnSpc>
+                <a:spcPct val="95000"/>
+              </a:lnSpc>
+            </a:pPr>
+            <a:endParaRPr lang="en-US" sz="3600" b="1" dirty="0" smtClean="0">
               <a:latin typeface="+mn-lt"/>
             </a:endParaRPr>
           </a:p>
@@ -6278,7 +6365,7 @@
         </p:blipFill>
         <p:spPr>
           <a:xfrm>
-            <a:off x="7287848" y="15433971"/>
+            <a:off x="6815408" y="14976771"/>
             <a:ext cx="3684952" cy="2956369"/>
           </a:xfrm>
           <a:prstGeom prst="rect">
@@ -6302,7 +6389,7 @@
         </p:blipFill>
         <p:spPr>
           <a:xfrm>
-            <a:off x="1505056" y="15427197"/>
+            <a:off x="1032616" y="14969997"/>
             <a:ext cx="3692567" cy="2962721"/>
           </a:xfrm>
           <a:prstGeom prst="rect">
@@ -6319,13 +6406,13 @@
           <p:nvPr>
             <p:extLst>
               <p:ext uri="{D42A27DB-BD31-4B8C-83A1-F6EECF244321}">
-                <p14:modId xmlns:p14="http://schemas.microsoft.com/office/powerpoint/2010/main" val="2973447461"/>
+                <p14:modId xmlns:p14="http://schemas.microsoft.com/office/powerpoint/2010/main" val="1243874124"/>
               </p:ext>
             </p:extLst>
           </p:nvPr>
         </p:nvGraphicFramePr>
         <p:xfrm>
-          <a:off x="2443925" y="23192327"/>
+          <a:off x="1971485" y="22735127"/>
           <a:ext cx="7863840" cy="3230775"/>
         </p:xfrm>
         <a:graphic>
@@ -6566,7 +6653,7 @@
         </p:nvSpPr>
         <p:spPr>
           <a:xfrm>
-            <a:off x="5256617" y="16200893"/>
+            <a:off x="4784177" y="15743693"/>
             <a:ext cx="2001733" cy="1837252"/>
           </a:xfrm>
           <a:prstGeom prst="rightArrow">
@@ -6595,9 +6682,18 @@
           <a:p>
             <a:pPr algn="ctr"/>
             <a:r>
-              <a:rPr lang="en-US" sz="1800" b="1" dirty="0"/>
-              <a:t>Manual Segmentation</a:t>
-            </a:r>
+              <a:rPr lang="en-US" sz="2400" b="1" dirty="0"/>
+              <a:t>Manual </a:t>
+            </a:r>
+            <a:r>
+              <a:rPr lang="en-US" sz="2400" b="1" dirty="0" smtClean="0"/>
+              <a:t>Segment-</a:t>
+            </a:r>
+            <a:r>
+              <a:rPr lang="en-US" sz="2400" b="1" dirty="0" err="1" smtClean="0"/>
+              <a:t>ation</a:t>
+            </a:r>
+            <a:endParaRPr lang="en-US" sz="2400" b="1" dirty="0"/>
           </a:p>
         </p:txBody>
       </p:sp>
@@ -6623,8 +6719,8 @@
         </p:blipFill>
         <p:spPr>
           <a:xfrm>
-            <a:off x="3943838" y="19740859"/>
-            <a:ext cx="5041056" cy="2468138"/>
+            <a:off x="2042160" y="18973800"/>
+            <a:ext cx="7231536" cy="3540613"/>
           </a:xfrm>
           <a:prstGeom prst="rect">
             <a:avLst/>
@@ -6677,8 +6773,8 @@
         </p:blipFill>
         <p:spPr>
           <a:xfrm>
-            <a:off x="19112204" y="13182600"/>
-            <a:ext cx="2452396" cy="4507507"/>
+            <a:off x="19153070" y="12925576"/>
+            <a:ext cx="2212743" cy="4067024"/>
           </a:xfrm>
           <a:prstGeom prst="rect">
             <a:avLst/>
@@ -6695,8 +6791,8 @@
             </p:nvSpPr>
             <p:spPr>
               <a:xfrm>
-                <a:off x="11828044" y="18247440"/>
-                <a:ext cx="9994062" cy="10556160"/>
+                <a:off x="11828044" y="18637269"/>
+                <a:ext cx="9994062" cy="9328131"/>
               </a:xfrm>
               <a:prstGeom prst="rect">
                 <a:avLst/>
@@ -6711,26 +6807,6 @@
                 <a:spAutoFit/>
               </a:bodyPr>
               <a:lstStyle/>
-              <a:p>
-                <a:pPr algn="just" defTabSz="4389493" eaLnBrk="0" hangingPunct="0">
-                  <a:lnSpc>
-                    <a:spcPct val="95000"/>
-                  </a:lnSpc>
-                </a:pPr>
-                <a:endParaRPr lang="en-US" sz="3200" dirty="0" smtClean="0">
-                  <a:cs typeface="Times New Roman" panose="02020603050405020304" pitchFamily="18" charset="0"/>
-                </a:endParaRPr>
-              </a:p>
-              <a:p>
-                <a:pPr algn="just" defTabSz="4389493" eaLnBrk="0" hangingPunct="0">
-                  <a:lnSpc>
-                    <a:spcPct val="95000"/>
-                  </a:lnSpc>
-                </a:pPr>
-                <a:endParaRPr lang="en-US" sz="3200" dirty="0">
-                  <a:cs typeface="Times New Roman" panose="02020603050405020304" pitchFamily="18" charset="0"/>
-                </a:endParaRPr>
-              </a:p>
               <a:p>
                 <a:pPr algn="just" defTabSz="4389493" eaLnBrk="0" hangingPunct="0">
                   <a:lnSpc>
@@ -6900,8 +6976,14 @@
                     <a:spcPct val="95000"/>
                   </a:lnSpc>
                 </a:pPr>
-                <a:endParaRPr lang="en-US" sz="3200" dirty="0">
+                <a:endParaRPr lang="en-US" sz="1200" dirty="0">
                   <a:cs typeface="Times New Roman" panose="02020603050405020304" pitchFamily="18" charset="0"/>
+                </a:endParaRPr>
+              </a:p>
+              <a:p>
+                <a:pPr algn="l"/>
+                <a:endParaRPr lang="en-US" sz="3200" i="1" dirty="0" smtClean="0">
+                  <a:latin typeface="Cambria Math" panose="02040503050406030204" pitchFamily="18" charset="0"/>
                 </a:endParaRPr>
               </a:p>
               <a:p>
@@ -7102,13 +7184,17 @@
                     </m:oMath>
                   </m:oMathPara>
                 </a14:m>
-                <a:endParaRPr lang="en-US" sz="3200" dirty="0"/>
+                <a:endParaRPr lang="en-US" sz="1400" dirty="0" smtClean="0"/>
               </a:p>
               <a:p>
                 <a:pPr algn="l"/>
                 <a:r>
+                  <a:rPr lang="en-US" sz="3200" dirty="0" smtClean="0"/>
+                  <a:t>The </a:t>
+                </a:r>
+                <a:r>
                   <a:rPr lang="en-US" sz="3200" dirty="0"/>
-                  <a:t>The embedding of the sample set into a normed space facilitates the usage of metric indexing methods to solve the problem of searching k-NN in a large set and avoid linear scan of the entire dataset</a:t>
+                  <a:t>embedding of the sample set into a normed space facilitates the usage of metric indexing methods to solve the problem of searching k-NN in a large set and avoid linear scan of the entire dataset</a:t>
                 </a:r>
                 <a:r>
                   <a:rPr lang="en-US" sz="3200" dirty="0" smtClean="0"/>
@@ -7121,34 +7207,28 @@
                   <a:buChar char="•"/>
                 </a:pPr>
                 <a:r>
-                  <a:rPr lang="en-US" sz="3200" dirty="0">
+                  <a:rPr lang="en-US" sz="3200" dirty="0" err="1" smtClean="0">
                     <a:cs typeface="Times New Roman" panose="02020603050405020304" pitchFamily="18" charset="0"/>
                   </a:rPr>
-                  <a:t>The embedding is </a:t>
+                  <a:t>Shirdhonkar</a:t>
                 </a:r>
                 <a:r>
                   <a:rPr lang="en-US" sz="3200" dirty="0" smtClean="0">
                     <a:cs typeface="Times New Roman" panose="02020603050405020304" pitchFamily="18" charset="0"/>
                   </a:rPr>
-                  <a:t>done using </a:t>
-                </a:r>
-                <a:r>
-                  <a:rPr lang="en-US" sz="3200" dirty="0" err="1">
-                    <a:cs typeface="Times New Roman" panose="02020603050405020304" pitchFamily="18" charset="0"/>
-                  </a:rPr>
-                  <a:t>Shirdhonkar</a:t>
+                  <a:t> </a:t>
                 </a:r>
                 <a:r>
                   <a:rPr lang="en-US" sz="3200" dirty="0">
                     <a:cs typeface="Times New Roman" panose="02020603050405020304" pitchFamily="18" charset="0"/>
                   </a:rPr>
-                  <a:t> and </a:t>
+                  <a:t>and </a:t>
                 </a:r>
                 <a:r>
                   <a:rPr lang="en-US" sz="3200" dirty="0" smtClean="0">
                     <a:cs typeface="Times New Roman" panose="02020603050405020304" pitchFamily="18" charset="0"/>
                   </a:rPr>
-                  <a:t>Jacobs’ method. </a:t>
+                  <a:t>Jacobs’ embedding. </a:t>
                 </a:r>
               </a:p>
               <a:p>
@@ -7198,16 +7278,16 @@
             </p:nvSpPr>
             <p:spPr>
               <a:xfrm>
-                <a:off x="11828044" y="18247440"/>
-                <a:ext cx="9994062" cy="10556160"/>
+                <a:off x="11828044" y="18637269"/>
+                <a:ext cx="9994062" cy="9328131"/>
               </a:xfrm>
               <a:prstGeom prst="rect">
                 <a:avLst/>
               </a:prstGeom>
               <a:blipFill rotWithShape="0">
-                <a:blip r:embed="rId8"/>
+                <a:blip r:embed="rId7"/>
                 <a:stretch>
-                  <a:fillRect l="-1524" r="-1524" b="-924"/>
+                  <a:fillRect l="-1524" t="-1045" r="-1524" b="-1176"/>
                 </a:stretch>
               </a:blipFill>
               <a:ln>
@@ -7237,7 +7317,7 @@
         </p:nvSpPr>
         <p:spPr>
           <a:xfrm>
-            <a:off x="21933738" y="11887200"/>
+            <a:off x="21933738" y="11430000"/>
             <a:ext cx="10035421" cy="6069354"/>
           </a:xfrm>
           <a:prstGeom prst="rect">
@@ -7477,7 +7557,7 @@
           <p:nvPr/>
         </p:nvPicPr>
         <p:blipFill>
-          <a:blip r:embed="rId9" cstate="print"/>
+          <a:blip r:embed="rId8" cstate="print"/>
           <a:srcRect/>
           <a:stretch>
             <a:fillRect/>
@@ -7485,7 +7565,7 @@
         </p:blipFill>
         <p:spPr bwMode="auto">
           <a:xfrm>
-            <a:off x="28194000" y="13215474"/>
+            <a:off x="28194000" y="12758274"/>
             <a:ext cx="2516362" cy="2793288"/>
           </a:xfrm>
           <a:prstGeom prst="rect">
@@ -7509,7 +7589,7 @@
           <p:nvPr/>
         </p:nvPicPr>
         <p:blipFill>
-          <a:blip r:embed="rId10">
+          <a:blip r:embed="rId9">
             <a:extLst>
               <a:ext uri="{28A0092B-C50C-407E-A947-70E740481C1C}">
                 <a14:useLocalDpi xmlns:a14="http://schemas.microsoft.com/office/drawing/2010/main" val="0"/>
@@ -7522,7 +7602,7 @@
         </p:blipFill>
         <p:spPr>
           <a:xfrm>
-            <a:off x="12960123" y="20519517"/>
+            <a:off x="12960123" y="20159217"/>
             <a:ext cx="7613877" cy="3310383"/>
           </a:xfrm>
           <a:prstGeom prst="rect">
@@ -7538,8 +7618,8 @@
         </p:nvSpPr>
         <p:spPr>
           <a:xfrm>
-            <a:off x="21975097" y="28798897"/>
-            <a:ext cx="9994062" cy="1077218"/>
+            <a:off x="21975097" y="27724358"/>
+            <a:ext cx="9994062" cy="1569660"/>
           </a:xfrm>
           <a:prstGeom prst="rect">
             <a:avLst/>
@@ -7555,18 +7635,23 @@
           </a:bodyPr>
           <a:lstStyle/>
           <a:p>
-            <a:pPr algn="l"/>
+            <a:pPr marL="457200" indent="-457200" algn="l">
+              <a:buFont typeface="Arial" panose="020B0604020202020204" pitchFamily="34" charset="0"/>
+              <a:buChar char="•"/>
+            </a:pPr>
             <a:r>
               <a:rPr lang="en-US" sz="3200" dirty="0" smtClean="0"/>
-              <a:t>Use </a:t>
-            </a:r>
-            <a:r>
-              <a:rPr lang="en-US" sz="3200" dirty="0"/>
-              <a:t>DTW to rescore candidates using the original </a:t>
-            </a:r>
+              <a:t>The k-NN returned 10 candidates.</a:t>
+            </a:r>
+          </a:p>
+          <a:p>
+            <a:pPr marL="457200" indent="-457200" algn="l">
+              <a:buFont typeface="Arial" panose="020B0604020202020204" pitchFamily="34" charset="0"/>
+              <a:buChar char="•"/>
+            </a:pPr>
             <a:r>
               <a:rPr lang="en-US" sz="3200" dirty="0" smtClean="0"/>
-              <a:t>sequence.</a:t>
+              <a:t>The Scoring of the candidates were refined using DTW applied on the original input sequence.</a:t>
             </a:r>
           </a:p>
         </p:txBody>
@@ -7580,7 +7665,7 @@
           <p:nvPr/>
         </p:nvPicPr>
         <p:blipFill>
-          <a:blip r:embed="rId11" cstate="print">
+          <a:blip r:embed="rId10" cstate="print">
             <a:extLst>
               <a:ext uri="{28A0092B-C50C-407E-A947-70E740481C1C}">
                 <a14:useLocalDpi xmlns:a14="http://schemas.microsoft.com/office/drawing/2010/main" val="0"/>
@@ -7593,7 +7678,7 @@
         </p:blipFill>
         <p:spPr>
           <a:xfrm>
-            <a:off x="13335000" y="29670658"/>
+            <a:off x="13335000" y="29213458"/>
             <a:ext cx="7359266" cy="3022697"/>
           </a:xfrm>
           <a:prstGeom prst="rect">
@@ -7610,14 +7695,14 @@
           <p:nvPr/>
         </p:nvPicPr>
         <p:blipFill>
-          <a:blip r:embed="rId12"/>
+          <a:blip r:embed="rId11"/>
           <a:stretch>
             <a:fillRect/>
           </a:stretch>
         </p:blipFill>
         <p:spPr>
           <a:xfrm>
-            <a:off x="12099006" y="13224179"/>
+            <a:off x="12099006" y="12766979"/>
             <a:ext cx="6604519" cy="4546692"/>
           </a:xfrm>
           <a:prstGeom prst="rect">
@@ -7628,6 +7713,36 @@
       <p:pic>
         <p:nvPicPr>
           <p:cNvPr id="80" name="Picture 79"/>
+          <p:cNvPicPr>
+            <a:picLocks noChangeAspect="1"/>
+          </p:cNvPicPr>
+          <p:nvPr/>
+        </p:nvPicPr>
+        <p:blipFill>
+          <a:blip r:embed="rId12">
+            <a:extLst>
+              <a:ext uri="{28A0092B-C50C-407E-A947-70E740481C1C}">
+                <a14:useLocalDpi xmlns:a14="http://schemas.microsoft.com/office/drawing/2010/main" val="0"/>
+              </a:ext>
+            </a:extLst>
+          </a:blip>
+          <a:stretch>
+            <a:fillRect/>
+          </a:stretch>
+        </p:blipFill>
+        <p:spPr>
+          <a:xfrm>
+            <a:off x="22479000" y="12321630"/>
+            <a:ext cx="3927352" cy="3344232"/>
+          </a:xfrm>
+          <a:prstGeom prst="rect">
+            <a:avLst/>
+          </a:prstGeom>
+        </p:spPr>
+      </p:pic>
+      <p:pic>
+        <p:nvPicPr>
+          <p:cNvPr id="81" name="Picture 80"/>
           <p:cNvPicPr>
             <a:picLocks noChangeAspect="1"/>
           </p:cNvPicPr>
@@ -7647,37 +7762,7 @@
         </p:blipFill>
         <p:spPr>
           <a:xfrm>
-            <a:off x="22479000" y="12778830"/>
-            <a:ext cx="3927352" cy="3344232"/>
-          </a:xfrm>
-          <a:prstGeom prst="rect">
-            <a:avLst/>
-          </a:prstGeom>
-        </p:spPr>
-      </p:pic>
-      <p:pic>
-        <p:nvPicPr>
-          <p:cNvPr id="81" name="Picture 80"/>
-          <p:cNvPicPr>
-            <a:picLocks noChangeAspect="1"/>
-          </p:cNvPicPr>
-          <p:nvPr/>
-        </p:nvPicPr>
-        <p:blipFill>
-          <a:blip r:embed="rId14">
-            <a:extLst>
-              <a:ext uri="{28A0092B-C50C-407E-A947-70E740481C1C}">
-                <a14:useLocalDpi xmlns:a14="http://schemas.microsoft.com/office/drawing/2010/main" val="0"/>
-              </a:ext>
-            </a:extLst>
-          </a:blip>
-          <a:stretch>
-            <a:fillRect/>
-          </a:stretch>
-        </p:blipFill>
-        <p:spPr>
-          <a:xfrm>
-            <a:off x="22233355" y="29929142"/>
+            <a:off x="22233355" y="29235603"/>
             <a:ext cx="9488540" cy="2455858"/>
           </a:xfrm>
           <a:prstGeom prst="rect">
@@ -7694,13 +7779,13 @@
           <p:nvPr>
             <p:extLst>
               <p:ext uri="{D42A27DB-BD31-4B8C-83A1-F6EECF244321}">
-                <p14:modId xmlns:p14="http://schemas.microsoft.com/office/powerpoint/2010/main" val="1236522666"/>
+                <p14:modId xmlns:p14="http://schemas.microsoft.com/office/powerpoint/2010/main" val="3858634807"/>
               </p:ext>
             </p:extLst>
           </p:nvPr>
         </p:nvGraphicFramePr>
         <p:xfrm>
-          <a:off x="32872280" y="6461226"/>
+          <a:off x="33603540" y="6004026"/>
           <a:ext cx="9037720" cy="5578374"/>
         </p:xfrm>
         <a:graphic>
@@ -8353,19 +8438,19 @@
           <p:nvPr>
             <p:extLst>
               <p:ext uri="{D42A27DB-BD31-4B8C-83A1-F6EECF244321}">
-                <p14:modId xmlns:p14="http://schemas.microsoft.com/office/powerpoint/2010/main" val="3525287461"/>
+                <p14:modId xmlns:p14="http://schemas.microsoft.com/office/powerpoint/2010/main" val="525814740"/>
               </p:ext>
             </p:extLst>
           </p:nvPr>
         </p:nvGraphicFramePr>
         <p:xfrm>
-          <a:off x="32537400" y="20828934"/>
+          <a:off x="33268660" y="20371734"/>
           <a:ext cx="9525000" cy="3631266"/>
         </p:xfrm>
         <a:graphic>
           <a:graphicData uri="http://schemas.openxmlformats.org/drawingml/2006/table">
             <a:tbl>
-              <a:tblPr firstRow="1" bandRow="1">
+              <a:tblPr firstRow="1" firstCol="1" bandRow="1">
                 <a:tableStyleId>{5C22544A-7EE6-4342-B048-85BDC9FD1C3A}</a:tableStyleId>
               </a:tblPr>
               <a:tblGrid>
@@ -8720,19 +8805,19 @@
           <p:nvPr>
             <p:extLst>
               <p:ext uri="{D42A27DB-BD31-4B8C-83A1-F6EECF244321}">
-                <p14:modId xmlns:p14="http://schemas.microsoft.com/office/powerpoint/2010/main" val="746742004"/>
+                <p14:modId xmlns:p14="http://schemas.microsoft.com/office/powerpoint/2010/main" val="2355614209"/>
               </p:ext>
             </p:extLst>
           </p:nvPr>
         </p:nvGraphicFramePr>
         <p:xfrm>
-          <a:off x="32766000" y="12954000"/>
+          <a:off x="33497260" y="13092761"/>
           <a:ext cx="9144000" cy="3137839"/>
         </p:xfrm>
         <a:graphic>
           <a:graphicData uri="http://schemas.openxmlformats.org/drawingml/2006/table">
             <a:tbl>
-              <a:tblPr firstRow="1" bandRow="1">
+              <a:tblPr firstRow="1" firstCol="1" bandRow="1">
                 <a:tableStyleId>{5C22544A-7EE6-4342-B048-85BDC9FD1C3A}</a:tableStyleId>
               </a:tblPr>
               <a:tblGrid>
@@ -9001,7 +9086,7 @@
         </p:nvSpPr>
         <p:spPr>
           <a:xfrm>
-            <a:off x="12056644" y="6400800"/>
+            <a:off x="12056644" y="5943600"/>
             <a:ext cx="2573756" cy="1676400"/>
           </a:xfrm>
           <a:prstGeom prst="rect">
@@ -9027,7 +9112,7 @@
         </p:nvSpPr>
         <p:spPr>
           <a:xfrm>
-            <a:off x="11776588" y="5562599"/>
+            <a:off x="11776588" y="5105399"/>
             <a:ext cx="20252157" cy="6233637"/>
           </a:xfrm>
           <a:prstGeom prst="rect">
@@ -9068,14 +9153,14 @@
           <p:nvPr/>
         </p:nvPicPr>
         <p:blipFill>
-          <a:blip r:embed="rId15"/>
+          <a:blip r:embed="rId14"/>
           <a:stretch>
             <a:fillRect/>
           </a:stretch>
         </p:blipFill>
         <p:spPr>
           <a:xfrm>
-            <a:off x="12844450" y="5943600"/>
+            <a:off x="12844450" y="5486400"/>
             <a:ext cx="18717217" cy="5496474"/>
           </a:xfrm>
           <a:prstGeom prst="rect">
@@ -9091,7 +9176,7 @@
         </p:nvSpPr>
         <p:spPr>
           <a:xfrm>
-            <a:off x="11909105" y="12102748"/>
+            <a:off x="11909105" y="11645548"/>
             <a:ext cx="9720000" cy="720000"/>
           </a:xfrm>
           <a:prstGeom prst="rect">
@@ -9150,7 +9235,7 @@
         </p:nvSpPr>
         <p:spPr>
           <a:xfrm>
-            <a:off x="22029455" y="12115800"/>
+            <a:off x="22029455" y="11658600"/>
             <a:ext cx="9720000" cy="720000"/>
           </a:xfrm>
           <a:prstGeom prst="rect">
@@ -9209,7 +9294,7 @@
         </p:nvSpPr>
         <p:spPr>
           <a:xfrm>
-            <a:off x="11933150" y="18186115"/>
+            <a:off x="11933150" y="17728915"/>
             <a:ext cx="9720000" cy="720000"/>
           </a:xfrm>
           <a:prstGeom prst="rect">
@@ -9268,7 +9353,7 @@
         </p:nvSpPr>
         <p:spPr>
           <a:xfrm>
-            <a:off x="22021800" y="18186115"/>
+            <a:off x="22021800" y="17728915"/>
             <a:ext cx="9720000" cy="720000"/>
           </a:xfrm>
           <a:prstGeom prst="rect">
@@ -9327,7 +9412,7 @@
         </p:nvSpPr>
         <p:spPr>
           <a:xfrm>
-            <a:off x="22021800" y="27820739"/>
+            <a:off x="22021800" y="26746200"/>
             <a:ext cx="9720000" cy="720000"/>
           </a:xfrm>
           <a:prstGeom prst="rect">
@@ -9386,7 +9471,7 @@
         </p:nvSpPr>
         <p:spPr>
           <a:xfrm>
-            <a:off x="11887200" y="28803600"/>
+            <a:off x="11887200" y="28346400"/>
             <a:ext cx="9720000" cy="720000"/>
           </a:xfrm>
           <a:prstGeom prst="rect">
@@ -9445,7 +9530,7 @@
         </p:nvSpPr>
         <p:spPr>
           <a:xfrm>
-            <a:off x="32446250" y="17933334"/>
+            <a:off x="33177510" y="17476134"/>
             <a:ext cx="9720000" cy="720000"/>
           </a:xfrm>
           <a:prstGeom prst="rect">
@@ -9508,8 +9593,8 @@
             </p:nvSpPr>
             <p:spPr bwMode="auto">
               <a:xfrm>
-                <a:off x="21996005" y="19055172"/>
-                <a:ext cx="9540000" cy="8229899"/>
+                <a:off x="21996005" y="18597972"/>
+                <a:ext cx="9540000" cy="3551695"/>
               </a:xfrm>
               <a:prstGeom prst="rect">
                 <a:avLst/>
@@ -9625,31 +9710,84 @@
                 </a:lvl9pPr>
               </a:lstStyle>
               <a:p>
-                <a:pPr defTabSz="4389493">
+                <a:pPr marL="457200" indent="-457200" defTabSz="4389493">
                   <a:lnSpc>
                     <a:spcPct val="95000"/>
                   </a:lnSpc>
+                  <a:buFont typeface="Arial" panose="020B0604020202020204" pitchFamily="34" charset="0"/>
+                  <a:buChar char="•"/>
                 </a:pPr>
                 <a:r>
                   <a:rPr lang="en-US" sz="3200" dirty="0" smtClean="0">
                     <a:latin typeface="+mn-lt"/>
                     <a:cs typeface="Arial" panose="020B0604020202020204" pitchFamily="34" charset="0"/>
                   </a:rPr>
-                  <a:t>Since there is a large variation in handwritten letters in the Arabic script, the grouping different perceptual shapes in a single class would negatively affect the LDA.</a:t>
+                  <a:t>The embedding generated vectors in </a:t>
+                </a:r>
+                <a14:m>
+                  <m:oMath xmlns:m="http://schemas.openxmlformats.org/officeDocument/2006/math">
+                    <m:sSup>
+                      <m:sSupPr>
+                        <m:ctrlPr>
+                          <a:rPr lang="en-US" sz="3200" i="1" smtClean="0">
+                            <a:latin typeface="Cambria Math" panose="02040503050406030204" pitchFamily="18" charset="0"/>
+                            <a:ea typeface="Cambria Math" panose="02040503050406030204" pitchFamily="18" charset="0"/>
+                            <a:cs typeface="Arial" panose="020B0604020202020204" pitchFamily="34" charset="0"/>
+                          </a:rPr>
+                        </m:ctrlPr>
+                      </m:sSupPr>
+                      <m:e>
+                        <m:r>
+                          <a:rPr lang="en-US" sz="3200" i="1">
+                            <a:latin typeface="Cambria Math" panose="02040503050406030204" pitchFamily="18" charset="0"/>
+                            <a:ea typeface="Cambria Math" panose="02040503050406030204" pitchFamily="18" charset="0"/>
+                            <a:cs typeface="Arial" panose="020B0604020202020204" pitchFamily="34" charset="0"/>
+                          </a:rPr>
+                          <m:t>ℝ</m:t>
+                        </m:r>
+                      </m:e>
+                      <m:sup>
+                        <m:r>
+                          <a:rPr lang="en-US" sz="3200" b="0" i="1" smtClean="0">
+                            <a:latin typeface="Cambria Math" panose="02040503050406030204" pitchFamily="18" charset="0"/>
+                            <a:ea typeface="Cambria Math" panose="02040503050406030204" pitchFamily="18" charset="0"/>
+                            <a:cs typeface="Arial" panose="020B0604020202020204" pitchFamily="34" charset="0"/>
+                          </a:rPr>
+                          <m:t>2422</m:t>
+                        </m:r>
+                      </m:sup>
+                    </m:sSup>
+                  </m:oMath>
+                </a14:m>
+                <a:r>
+                  <a:rPr lang="en-US" sz="3200" dirty="0" smtClean="0">
+                    <a:latin typeface="+mn-lt"/>
+                    <a:cs typeface="Arial" panose="020B0604020202020204" pitchFamily="34" charset="0"/>
+                  </a:rPr>
+                  <a:t>. </a:t>
                 </a:r>
               </a:p>
               <a:p>
-                <a:pPr defTabSz="4389493">
+                <a:pPr marL="457200" indent="-457200" defTabSz="4389493">
                   <a:lnSpc>
                     <a:spcPct val="95000"/>
                   </a:lnSpc>
+                  <a:buFont typeface="Arial" panose="020B0604020202020204" pitchFamily="34" charset="0"/>
+                  <a:buChar char="•"/>
                 </a:pPr>
+                <a:r>
+                  <a:rPr lang="en-US" sz="3200" dirty="0" smtClean="0">
+                    <a:latin typeface="+mn-lt"/>
+                    <a:cs typeface="Arial" panose="020B0604020202020204" pitchFamily="34" charset="0"/>
+                  </a:rPr>
+                  <a:t>Before </a:t>
+                </a:r>
                 <a:r>
                   <a:rPr lang="en-US" sz="3200" dirty="0">
                     <a:latin typeface="+mn-lt"/>
                     <a:cs typeface="Arial" panose="020B0604020202020204" pitchFamily="34" charset="0"/>
                   </a:rPr>
-                  <a:t>Thus, before applying LDA, each character class was partitioned into four clusters, using </a:t>
+                  <a:t>applying LDA, each character class was partitioned into four clusters, using </a:t>
                 </a:r>
                 <a14:m>
                   <m:oMath xmlns:m="http://schemas.openxmlformats.org/officeDocument/2006/math">
@@ -9738,112 +9876,19 @@
                 </a:endParaRPr>
               </a:p>
               <a:p>
-                <a:pPr defTabSz="4389493">
+                <a:pPr marL="457200" indent="-457200" defTabSz="4389493">
                   <a:lnSpc>
                     <a:spcPct val="95000"/>
                   </a:lnSpc>
+                  <a:buFont typeface="Arial" panose="020B0604020202020204" pitchFamily="34" charset="0"/>
+                  <a:buChar char="•"/>
                 </a:pPr>
-                <a:endParaRPr lang="en-US" sz="3200" dirty="0">
-                  <a:latin typeface="+mn-lt"/>
-                  <a:cs typeface="Arial" panose="020B0604020202020204" pitchFamily="34" charset="0"/>
-                </a:endParaRPr>
-              </a:p>
-              <a:p>
-                <a:pPr defTabSz="4389493">
-                  <a:lnSpc>
-                    <a:spcPct val="95000"/>
-                  </a:lnSpc>
-                </a:pPr>
-                <a:endParaRPr lang="en-US" sz="3200" dirty="0" smtClean="0">
-                  <a:latin typeface="+mn-lt"/>
-                  <a:cs typeface="Arial" panose="020B0604020202020204" pitchFamily="34" charset="0"/>
-                </a:endParaRPr>
-              </a:p>
-              <a:p>
-                <a:pPr defTabSz="4389493">
-                  <a:lnSpc>
-                    <a:spcPct val="95000"/>
-                  </a:lnSpc>
-                </a:pPr>
-                <a:endParaRPr lang="en-US" sz="3200" dirty="0">
-                  <a:latin typeface="+mn-lt"/>
-                  <a:cs typeface="Arial" panose="020B0604020202020204" pitchFamily="34" charset="0"/>
-                </a:endParaRPr>
-              </a:p>
-              <a:p>
-                <a:pPr defTabSz="4389493">
-                  <a:lnSpc>
-                    <a:spcPct val="95000"/>
-                  </a:lnSpc>
-                </a:pPr>
-                <a:endParaRPr lang="en-US" sz="3200" dirty="0" smtClean="0">
-                  <a:latin typeface="+mn-lt"/>
-                  <a:cs typeface="Arial" panose="020B0604020202020204" pitchFamily="34" charset="0"/>
-                </a:endParaRPr>
-              </a:p>
-              <a:p>
-                <a:pPr defTabSz="4389493">
-                  <a:lnSpc>
-                    <a:spcPct val="95000"/>
-                  </a:lnSpc>
-                </a:pPr>
-                <a:endParaRPr lang="en-US" sz="3200" dirty="0">
-                  <a:latin typeface="+mn-lt"/>
-                  <a:cs typeface="Arial" panose="020B0604020202020204" pitchFamily="34" charset="0"/>
-                </a:endParaRPr>
-              </a:p>
-              <a:p>
-                <a:pPr defTabSz="4389493">
-                  <a:lnSpc>
-                    <a:spcPct val="95000"/>
-                  </a:lnSpc>
-                </a:pPr>
-                <a:endParaRPr lang="en-US" sz="3200" dirty="0" smtClean="0">
-                  <a:latin typeface="+mn-lt"/>
-                  <a:cs typeface="Arial" panose="020B0604020202020204" pitchFamily="34" charset="0"/>
-                </a:endParaRPr>
-              </a:p>
-              <a:p>
-                <a:pPr defTabSz="4389493">
-                  <a:lnSpc>
-                    <a:spcPct val="95000"/>
-                  </a:lnSpc>
-                </a:pPr>
-                <a:endParaRPr lang="en-US" sz="3200" dirty="0">
-                  <a:latin typeface="+mn-lt"/>
-                  <a:cs typeface="Arial" panose="020B0604020202020204" pitchFamily="34" charset="0"/>
-                </a:endParaRPr>
-              </a:p>
-              <a:p>
-                <a:pPr defTabSz="4389493">
-                  <a:lnSpc>
-                    <a:spcPct val="95000"/>
-                  </a:lnSpc>
-                </a:pPr>
-                <a:endParaRPr lang="en-US" sz="3200" dirty="0" smtClean="0">
-                  <a:latin typeface="+mn-lt"/>
-                  <a:cs typeface="Arial" panose="020B0604020202020204" pitchFamily="34" charset="0"/>
-                </a:endParaRPr>
-              </a:p>
-              <a:p>
-                <a:pPr defTabSz="4389493">
-                  <a:lnSpc>
-                    <a:spcPct val="95000"/>
-                  </a:lnSpc>
-                </a:pPr>
-                <a:r>
-                  <a:rPr lang="en-US" sz="3200" dirty="0">
-                    <a:latin typeface="+mn-lt"/>
-                    <a:cs typeface="Arial" panose="020B0604020202020204" pitchFamily="34" charset="0"/>
-                  </a:rPr>
-                  <a:t>T</a:t>
-                </a:r>
                 <a:r>
                   <a:rPr lang="en-US" sz="3200" dirty="0" smtClean="0">
                     <a:latin typeface="+mn-lt"/>
                     <a:cs typeface="Arial" panose="020B0604020202020204" pitchFamily="34" charset="0"/>
                   </a:rPr>
-                  <a:t>he </a:t>
+                  <a:t>The </a:t>
                 </a:r>
                 <a:r>
                   <a:rPr lang="en-US" sz="3200" dirty="0">
@@ -9899,16 +9944,16 @@
             </p:nvSpPr>
             <p:spPr bwMode="auto">
               <a:xfrm>
-                <a:off x="21996005" y="19055172"/>
-                <a:ext cx="9540000" cy="8229899"/>
+                <a:off x="21996005" y="18597972"/>
+                <a:ext cx="9540000" cy="3551695"/>
               </a:xfrm>
               <a:prstGeom prst="rect">
                 <a:avLst/>
               </a:prstGeom>
               <a:blipFill rotWithShape="0">
-                <a:blip r:embed="rId16"/>
+                <a:blip r:embed="rId15"/>
                 <a:stretch>
-                  <a:fillRect l="-1150" t="-148" b="-370"/>
+                  <a:fillRect l="-958" t="-172" b="-2234"/>
                 </a:stretch>
               </a:blipFill>
               <a:ln w="12700">
@@ -9940,14 +9985,14 @@
           <p:nvPr/>
         </p:nvPicPr>
         <p:blipFill>
-          <a:blip r:embed="rId17"/>
+          <a:blip r:embed="rId16"/>
           <a:stretch>
             <a:fillRect/>
           </a:stretch>
         </p:blipFill>
         <p:spPr>
           <a:xfrm>
-            <a:off x="23317200" y="22783800"/>
+            <a:off x="23317200" y="22808418"/>
             <a:ext cx="6897611" cy="3175782"/>
           </a:xfrm>
           <a:prstGeom prst="rect">
@@ -9964,13 +10009,13 @@
           <p:nvPr>
             <p:extLst>
               <p:ext uri="{D42A27DB-BD31-4B8C-83A1-F6EECF244321}">
-                <p14:modId xmlns:p14="http://schemas.microsoft.com/office/powerpoint/2010/main" val="3903090635"/>
+                <p14:modId xmlns:p14="http://schemas.microsoft.com/office/powerpoint/2010/main" val="2850324990"/>
               </p:ext>
             </p:extLst>
           </p:nvPr>
         </p:nvGraphicFramePr>
         <p:xfrm>
-          <a:off x="33070800" y="28041601"/>
+          <a:off x="33802060" y="27584401"/>
           <a:ext cx="8686800" cy="4114799"/>
         </p:xfrm>
         <a:graphic>
@@ -10317,7 +10362,7 @@
         </p:nvSpPr>
         <p:spPr>
           <a:xfrm>
-            <a:off x="32446250" y="25873800"/>
+            <a:off x="33177510" y="25416600"/>
             <a:ext cx="9720000" cy="720000"/>
           </a:xfrm>
           <a:prstGeom prst="rect">
@@ -10376,7 +10421,7 @@
         </p:nvSpPr>
         <p:spPr>
           <a:xfrm>
-            <a:off x="32654160" y="26735782"/>
+            <a:off x="33385420" y="26278582"/>
             <a:ext cx="9484440" cy="1077218"/>
           </a:xfrm>
           <a:prstGeom prst="rect">
@@ -10410,7 +10455,7 @@
           <p:nvPr/>
         </p:nvPicPr>
         <p:blipFill>
-          <a:blip r:embed="rId18">
+          <a:blip r:embed="rId17">
             <a:extLst>
               <a:ext uri="{28A0092B-C50C-407E-A947-70E740481C1C}">
                 <a14:useLocalDpi xmlns:a14="http://schemas.microsoft.com/office/drawing/2010/main" val="0"/>
@@ -10423,7 +10468,7 @@
         </p:blipFill>
         <p:spPr>
           <a:xfrm>
-            <a:off x="1168077" y="648456"/>
+            <a:off x="1158550" y="648456"/>
             <a:ext cx="4480250" cy="2780544"/>
           </a:xfrm>
           <a:prstGeom prst="rect">
